--- a/DataConsolidation&FeatureSelection.pptx
+++ b/DataConsolidation&FeatureSelection.pptx
@@ -104,6 +104,11 @@
       </a:defRPr>
     </a:lvl9pPr>
   </p:defaultTextStyle>
+  <p:extLst>
+    <p:ext uri="{EFAFB233-063F-42B5-8137-9DF3F51BA10A}">
+      <p15:sldGuideLst xmlns:p15="http://schemas.microsoft.com/office/powerpoint/2012/main"/>
+    </p:ext>
+  </p:extLst>
 </p:presentation>
 </file>
 
@@ -3668,6 +3673,254 @@
           </a:fontRef>
         </p:style>
       </p:cxnSp>
+      <p:sp>
+        <p:nvSpPr>
+          <p:cNvPr id="2" name="Oval 1"/>
+          <p:cNvSpPr/>
+          <p:nvPr/>
+        </p:nvSpPr>
+        <p:spPr>
+          <a:xfrm>
+            <a:off x="3363467" y="699272"/>
+            <a:ext cx="484749" cy="459751"/>
+          </a:xfrm>
+          <a:prstGeom prst="ellipse">
+            <a:avLst/>
+          </a:prstGeom>
+          <a:solidFill>
+            <a:srgbClr val="00B050"/>
+          </a:solidFill>
+        </p:spPr>
+        <p:style>
+          <a:lnRef idx="2">
+            <a:schemeClr val="accent1">
+              <a:shade val="50000"/>
+            </a:schemeClr>
+          </a:lnRef>
+          <a:fillRef idx="1">
+            <a:schemeClr val="accent1"/>
+          </a:fillRef>
+          <a:effectRef idx="0">
+            <a:schemeClr val="accent1"/>
+          </a:effectRef>
+          <a:fontRef idx="minor">
+            <a:schemeClr val="lt1"/>
+          </a:fontRef>
+        </p:style>
+        <p:txBody>
+          <a:bodyPr rtlCol="0" anchor="ctr"/>
+          <a:lstStyle/>
+          <a:p>
+            <a:pPr algn="ctr"/>
+            <a:endParaRPr lang="en-US"/>
+          </a:p>
+        </p:txBody>
+      </p:sp>
+      <p:sp>
+        <p:nvSpPr>
+          <p:cNvPr id="3" name="TextBox 2"/>
+          <p:cNvSpPr txBox="1"/>
+          <p:nvPr/>
+        </p:nvSpPr>
+        <p:spPr>
+          <a:xfrm>
+            <a:off x="3295291" y="51758"/>
+            <a:ext cx="1619739" cy="369332"/>
+          </a:xfrm>
+          <a:prstGeom prst="rect">
+            <a:avLst/>
+          </a:prstGeom>
+          <a:noFill/>
+        </p:spPr>
+        <p:txBody>
+          <a:bodyPr wrap="none" rtlCol="0">
+            <a:spAutoFit/>
+          </a:bodyPr>
+          <a:lstStyle/>
+          <a:p>
+            <a:r>
+              <a:rPr lang="en-US" u="sng" dirty="0" smtClean="0"/>
+              <a:t>Data extraction</a:t>
+            </a:r>
+            <a:endParaRPr lang="en-US" u="sng" dirty="0"/>
+          </a:p>
+        </p:txBody>
+      </p:sp>
+      <p:sp>
+        <p:nvSpPr>
+          <p:cNvPr id="19" name="Oval 18"/>
+          <p:cNvSpPr/>
+          <p:nvPr/>
+        </p:nvSpPr>
+        <p:spPr>
+          <a:xfrm>
+            <a:off x="3395519" y="2763652"/>
+            <a:ext cx="484749" cy="459751"/>
+          </a:xfrm>
+          <a:prstGeom prst="ellipse">
+            <a:avLst/>
+          </a:prstGeom>
+          <a:solidFill>
+            <a:srgbClr val="00B050"/>
+          </a:solidFill>
+        </p:spPr>
+        <p:style>
+          <a:lnRef idx="2">
+            <a:schemeClr val="accent1">
+              <a:shade val="50000"/>
+            </a:schemeClr>
+          </a:lnRef>
+          <a:fillRef idx="1">
+            <a:schemeClr val="accent1"/>
+          </a:fillRef>
+          <a:effectRef idx="0">
+            <a:schemeClr val="accent1"/>
+          </a:effectRef>
+          <a:fontRef idx="minor">
+            <a:schemeClr val="lt1"/>
+          </a:fontRef>
+        </p:style>
+        <p:txBody>
+          <a:bodyPr rtlCol="0" anchor="ctr"/>
+          <a:lstStyle/>
+          <a:p>
+            <a:pPr algn="ctr"/>
+            <a:endParaRPr lang="en-US"/>
+          </a:p>
+        </p:txBody>
+      </p:sp>
+      <p:sp>
+        <p:nvSpPr>
+          <p:cNvPr id="22" name="Oval 21"/>
+          <p:cNvSpPr/>
+          <p:nvPr/>
+        </p:nvSpPr>
+        <p:spPr>
+          <a:xfrm>
+            <a:off x="3393065" y="3383502"/>
+            <a:ext cx="484749" cy="459751"/>
+          </a:xfrm>
+          <a:prstGeom prst="ellipse">
+            <a:avLst/>
+          </a:prstGeom>
+          <a:solidFill>
+            <a:schemeClr val="accent6">
+              <a:lumMod val="60000"/>
+              <a:lumOff val="40000"/>
+            </a:schemeClr>
+          </a:solidFill>
+        </p:spPr>
+        <p:style>
+          <a:lnRef idx="2">
+            <a:schemeClr val="accent1">
+              <a:shade val="50000"/>
+            </a:schemeClr>
+          </a:lnRef>
+          <a:fillRef idx="1">
+            <a:schemeClr val="accent1"/>
+          </a:fillRef>
+          <a:effectRef idx="0">
+            <a:schemeClr val="accent1"/>
+          </a:effectRef>
+          <a:fontRef idx="minor">
+            <a:schemeClr val="lt1"/>
+          </a:fontRef>
+        </p:style>
+        <p:txBody>
+          <a:bodyPr rtlCol="0" anchor="ctr"/>
+          <a:lstStyle/>
+          <a:p>
+            <a:pPr algn="ctr"/>
+            <a:endParaRPr lang="en-US"/>
+          </a:p>
+        </p:txBody>
+      </p:sp>
+      <p:sp>
+        <p:nvSpPr>
+          <p:cNvPr id="23" name="Oval 22"/>
+          <p:cNvSpPr/>
+          <p:nvPr/>
+        </p:nvSpPr>
+        <p:spPr>
+          <a:xfrm>
+            <a:off x="3379935" y="4966377"/>
+            <a:ext cx="484749" cy="459751"/>
+          </a:xfrm>
+          <a:prstGeom prst="ellipse">
+            <a:avLst/>
+          </a:prstGeom>
+          <a:solidFill>
+            <a:srgbClr val="00B050"/>
+          </a:solidFill>
+        </p:spPr>
+        <p:style>
+          <a:lnRef idx="2">
+            <a:schemeClr val="accent1">
+              <a:shade val="50000"/>
+            </a:schemeClr>
+          </a:lnRef>
+          <a:fillRef idx="1">
+            <a:schemeClr val="accent1"/>
+          </a:fillRef>
+          <a:effectRef idx="0">
+            <a:schemeClr val="accent1"/>
+          </a:effectRef>
+          <a:fontRef idx="minor">
+            <a:schemeClr val="lt1"/>
+          </a:fontRef>
+        </p:style>
+        <p:txBody>
+          <a:bodyPr rtlCol="0" anchor="ctr"/>
+          <a:lstStyle/>
+          <a:p>
+            <a:pPr algn="ctr"/>
+            <a:endParaRPr lang="en-US"/>
+          </a:p>
+        </p:txBody>
+      </p:sp>
+      <p:sp>
+        <p:nvSpPr>
+          <p:cNvPr id="8" name="Oval 7"/>
+          <p:cNvSpPr/>
+          <p:nvPr/>
+        </p:nvSpPr>
+        <p:spPr>
+          <a:xfrm>
+            <a:off x="3514252" y="5565965"/>
+            <a:ext cx="242374" cy="221762"/>
+          </a:xfrm>
+          <a:prstGeom prst="ellipse">
+            <a:avLst/>
+          </a:prstGeom>
+          <a:solidFill>
+            <a:srgbClr val="FF0000"/>
+          </a:solidFill>
+        </p:spPr>
+        <p:style>
+          <a:lnRef idx="2">
+            <a:schemeClr val="accent1">
+              <a:shade val="50000"/>
+            </a:schemeClr>
+          </a:lnRef>
+          <a:fillRef idx="1">
+            <a:schemeClr val="accent1"/>
+          </a:fillRef>
+          <a:effectRef idx="0">
+            <a:schemeClr val="accent1"/>
+          </a:effectRef>
+          <a:fontRef idx="minor">
+            <a:schemeClr val="lt1"/>
+          </a:fontRef>
+        </p:style>
+        <p:txBody>
+          <a:bodyPr rtlCol="0" anchor="ctr"/>
+          <a:lstStyle/>
+          <a:p>
+            <a:pPr algn="ctr"/>
+            <a:endParaRPr lang="en-US"/>
+          </a:p>
+        </p:txBody>
+      </p:sp>
     </p:spTree>
     <p:extLst>
       <p:ext uri="{BB962C8B-B14F-4D97-AF65-F5344CB8AC3E}">
